--- a/Coding4Fun 13 - Ansible & Windows.pptx
+++ b/Coding4Fun 13 - Ansible & Windows.pptx
@@ -334,7 +334,7 @@
           <a:p>
             <a:fld id="{9996516E-3CD3-40AF-B5AC-455438375392}" type="datetimeFigureOut">
               <a:rPr lang="en-US" smtClean="0"/>
-              <a:t>10/20/2020</a:t>
+              <a:t>2/17/2021</a:t>
             </a:fld>
             <a:endParaRPr lang="en-US"/>
           </a:p>
@@ -534,7 +534,7 @@
           <a:p>
             <a:fld id="{9996516E-3CD3-40AF-B5AC-455438375392}" type="datetimeFigureOut">
               <a:rPr lang="en-US" smtClean="0"/>
-              <a:t>10/20/2020</a:t>
+              <a:t>2/17/2021</a:t>
             </a:fld>
             <a:endParaRPr lang="en-US"/>
           </a:p>
@@ -744,7 +744,7 @@
           <a:p>
             <a:fld id="{9996516E-3CD3-40AF-B5AC-455438375392}" type="datetimeFigureOut">
               <a:rPr lang="en-US" smtClean="0"/>
-              <a:t>10/20/2020</a:t>
+              <a:t>2/17/2021</a:t>
             </a:fld>
             <a:endParaRPr lang="en-US"/>
           </a:p>
@@ -944,7 +944,7 @@
           <a:p>
             <a:fld id="{9996516E-3CD3-40AF-B5AC-455438375392}" type="datetimeFigureOut">
               <a:rPr lang="en-US" smtClean="0"/>
-              <a:t>10/20/2020</a:t>
+              <a:t>2/17/2021</a:t>
             </a:fld>
             <a:endParaRPr lang="en-US"/>
           </a:p>
@@ -1220,7 +1220,7 @@
           <a:p>
             <a:fld id="{9996516E-3CD3-40AF-B5AC-455438375392}" type="datetimeFigureOut">
               <a:rPr lang="en-US" smtClean="0"/>
-              <a:t>10/20/2020</a:t>
+              <a:t>2/17/2021</a:t>
             </a:fld>
             <a:endParaRPr lang="en-US"/>
           </a:p>
@@ -1488,7 +1488,7 @@
           <a:p>
             <a:fld id="{9996516E-3CD3-40AF-B5AC-455438375392}" type="datetimeFigureOut">
               <a:rPr lang="en-US" smtClean="0"/>
-              <a:t>10/20/2020</a:t>
+              <a:t>2/17/2021</a:t>
             </a:fld>
             <a:endParaRPr lang="en-US"/>
           </a:p>
@@ -1903,7 +1903,7 @@
           <a:p>
             <a:fld id="{9996516E-3CD3-40AF-B5AC-455438375392}" type="datetimeFigureOut">
               <a:rPr lang="en-US" smtClean="0"/>
-              <a:t>10/20/2020</a:t>
+              <a:t>2/17/2021</a:t>
             </a:fld>
             <a:endParaRPr lang="en-US"/>
           </a:p>
@@ -2045,7 +2045,7 @@
           <a:p>
             <a:fld id="{9996516E-3CD3-40AF-B5AC-455438375392}" type="datetimeFigureOut">
               <a:rPr lang="en-US" smtClean="0"/>
-              <a:t>10/20/2020</a:t>
+              <a:t>2/17/2021</a:t>
             </a:fld>
             <a:endParaRPr lang="en-US"/>
           </a:p>
@@ -2158,7 +2158,7 @@
           <a:p>
             <a:fld id="{9996516E-3CD3-40AF-B5AC-455438375392}" type="datetimeFigureOut">
               <a:rPr lang="en-US" smtClean="0"/>
-              <a:t>10/20/2020</a:t>
+              <a:t>2/17/2021</a:t>
             </a:fld>
             <a:endParaRPr lang="en-US"/>
           </a:p>
@@ -2471,7 +2471,7 @@
           <a:p>
             <a:fld id="{9996516E-3CD3-40AF-B5AC-455438375392}" type="datetimeFigureOut">
               <a:rPr lang="en-US" smtClean="0"/>
-              <a:t>10/20/2020</a:t>
+              <a:t>2/17/2021</a:t>
             </a:fld>
             <a:endParaRPr lang="en-US"/>
           </a:p>
@@ -2760,7 +2760,7 @@
           <a:p>
             <a:fld id="{9996516E-3CD3-40AF-B5AC-455438375392}" type="datetimeFigureOut">
               <a:rPr lang="en-US" smtClean="0"/>
-              <a:t>10/20/2020</a:t>
+              <a:t>2/17/2021</a:t>
             </a:fld>
             <a:endParaRPr lang="en-US"/>
           </a:p>
@@ -3003,7 +3003,7 @@
           <a:p>
             <a:fld id="{9996516E-3CD3-40AF-B5AC-455438375392}" type="datetimeFigureOut">
               <a:rPr lang="en-US" smtClean="0"/>
-              <a:t>10/20/2020</a:t>
+              <a:t>2/17/2021</a:t>
             </a:fld>
             <a:endParaRPr lang="en-US"/>
           </a:p>
@@ -7951,134 +7951,74 @@
               <a:buNone/>
             </a:pPr>
             <a:r>
-              <a:rPr lang="en-US" err="1"/>
+              <a:rPr lang="en-US" dirty="0" err="1"/>
               <a:t>Scripteur</a:t>
             </a:r>
             <a:r>
-              <a:rPr lang="en-US"/>
+              <a:rPr lang="en-US" dirty="0"/>
               <a:t> ansible </a:t>
             </a:r>
             <a:r>
-              <a:rPr lang="en-US" err="1"/>
+              <a:rPr lang="en-US" dirty="0" err="1"/>
               <a:t>depuis</a:t>
             </a:r>
             <a:r>
-              <a:rPr lang="en-US"/>
+              <a:rPr lang="en-US" dirty="0"/>
               <a:t> 1 </a:t>
             </a:r>
             <a:r>
-              <a:rPr lang="en-US" err="1"/>
+              <a:rPr lang="en-US" dirty="0" err="1"/>
               <a:t>ans</a:t>
             </a:r>
-            <a:endParaRPr lang="en-US"/>
-          </a:p>
-          <a:p>
-            <a:pPr marL="0" indent="0">
-              <a:buNone/>
-            </a:pPr>
-            <a:r>
-              <a:rPr lang="en-US" err="1"/>
+            <a:endParaRPr lang="en-US" dirty="0"/>
+          </a:p>
+          <a:p>
+            <a:pPr marL="0" indent="0">
+              <a:buNone/>
+            </a:pPr>
+            <a:r>
+              <a:rPr lang="en-US" dirty="0" err="1"/>
               <a:t>Déploiement</a:t>
             </a:r>
             <a:r>
-              <a:rPr lang="en-US"/>
+              <a:rPr lang="en-US" dirty="0"/>
               <a:t> de Kafka, </a:t>
             </a:r>
             <a:r>
-              <a:rPr lang="en-US" err="1"/>
+              <a:rPr lang="en-US" dirty="0" err="1"/>
               <a:t>Gravitee</a:t>
             </a:r>
             <a:r>
-              <a:rPr lang="en-US"/>
-              <a:t> sous centos :</a:t>
-            </a:r>
-          </a:p>
-          <a:p>
-            <a:pPr marL="0" indent="0">
-              <a:buNone/>
-            </a:pPr>
-            <a:r>
-              <a:rPr lang="en-US"/>
-              <a:t>	</a:t>
-            </a:r>
-            <a:r>
-              <a:rPr lang="en-US">
-                <a:hlinkClick r:id="rId2"/>
-              </a:rPr>
-              <a:t>https://gitlab.michelin.com/f4m/ansible/</a:t>
-            </a:r>
-            <a:endParaRPr lang="en-US"/>
-          </a:p>
-          <a:p>
-            <a:pPr marL="0" indent="0">
-              <a:buNone/>
-            </a:pPr>
-            <a:r>
-              <a:rPr lang="en-US"/>
-              <a:t>	</a:t>
-            </a:r>
-            <a:r>
-              <a:rPr lang="en-US">
-                <a:hlinkClick r:id="rId3"/>
-              </a:rPr>
-              <a:t>https://gitlab.michelin.com/f4m/ansible-Gravitee/</a:t>
-            </a:r>
-            <a:endParaRPr lang="en-US"/>
-          </a:p>
-          <a:p>
-            <a:pPr marL="0" indent="0">
-              <a:buNone/>
-            </a:pPr>
-            <a:endParaRPr lang="en-US"/>
-          </a:p>
-          <a:p>
-            <a:pPr marL="0" indent="0">
-              <a:buNone/>
-            </a:pPr>
-            <a:r>
-              <a:rPr lang="en-US" err="1"/>
+              <a:rPr lang="en-US" dirty="0"/>
+              <a:t> sous centos</a:t>
+            </a:r>
+          </a:p>
+          <a:p>
+            <a:pPr marL="0" indent="0">
+              <a:buNone/>
+            </a:pPr>
+            <a:r>
+              <a:rPr lang="en-US" dirty="0" err="1"/>
               <a:t>Déploiement</a:t>
             </a:r>
             <a:r>
-              <a:rPr lang="en-US"/>
+              <a:rPr lang="en-US" dirty="0"/>
               <a:t> de </a:t>
             </a:r>
             <a:r>
-              <a:rPr lang="en-US" err="1"/>
+              <a:rPr lang="en-US" dirty="0" err="1"/>
               <a:t>Attunity</a:t>
             </a:r>
             <a:r>
-              <a:rPr lang="en-US"/>
-              <a:t> sous windows :</a:t>
-            </a:r>
-          </a:p>
-          <a:p>
-            <a:pPr marL="0" indent="0">
-              <a:buNone/>
-            </a:pPr>
-            <a:r>
-              <a:rPr lang="en-US"/>
-              <a:t>	</a:t>
-            </a:r>
-            <a:r>
-              <a:rPr lang="en-US">
-                <a:hlinkClick r:id="rId4"/>
-              </a:rPr>
-              <a:t>https://gitlab.michelin.com/f4m/ansible-cdc/</a:t>
-            </a:r>
-            <a:endParaRPr lang="en-US"/>
-          </a:p>
-          <a:p>
-            <a:pPr marL="0" indent="0">
-              <a:buNone/>
-            </a:pPr>
-            <a:endParaRPr lang="en-US"/>
-          </a:p>
-          <a:p>
-            <a:pPr marL="0" indent="0">
-              <a:buNone/>
-            </a:pPr>
-            <a:endParaRPr lang="en-US"/>
+              <a:rPr lang="en-US" dirty="0"/>
+              <a:t> sous windows</a:t>
+            </a:r>
+          </a:p>
+          <a:p>
+            <a:pPr marL="0" indent="0">
+              <a:buNone/>
+            </a:pPr>
+            <a:endParaRPr lang="en-US" dirty="0"/>
           </a:p>
         </p:txBody>
       </p:sp>
@@ -9086,45 +9026,11 @@
         </p:blipFill>
         <p:spPr>
           <a:xfrm>
-            <a:off x="3920331" y="1825625"/>
+            <a:off x="3920331" y="1834503"/>
             <a:ext cx="4351338" cy="4351338"/>
           </a:xfrm>
         </p:spPr>
       </p:pic>
-      <p:sp>
-        <p:nvSpPr>
-          <p:cNvPr id="7" name="Rectangle 6">
-            <a:extLst>
-              <a:ext uri="{FF2B5EF4-FFF2-40B4-BE49-F238E27FC236}">
-                <a16:creationId xmlns:a16="http://schemas.microsoft.com/office/drawing/2014/main" id="{D2E96FEB-6757-4919-81D3-ABEC513140C1}"/>
-              </a:ext>
-            </a:extLst>
-          </p:cNvPr>
-          <p:cNvSpPr/>
-          <p:nvPr/>
-        </p:nvSpPr>
-        <p:spPr>
-          <a:xfrm>
-            <a:off x="4136271" y="1640959"/>
-            <a:ext cx="3508909" cy="369332"/>
-          </a:xfrm>
-          <a:prstGeom prst="rect">
-            <a:avLst/>
-          </a:prstGeom>
-        </p:spPr>
-        <p:txBody>
-          <a:bodyPr wrap="none">
-            <a:spAutoFit/>
-          </a:bodyPr>
-          <a:lstStyle/>
-          <a:p>
-            <a:r>
-              <a:rPr lang="en-US"/>
-              <a:t>https://carsawx.ai.car.michelin.com</a:t>
-            </a:r>
-          </a:p>
-        </p:txBody>
-      </p:sp>
     </p:spTree>
     <p:extLst>
       <p:ext uri="{BB962C8B-B14F-4D97-AF65-F5344CB8AC3E}">
